--- a/Sandy-PrácticaDocente/CelsaVirgen/Exploratorio_Resultados Generales.pptx
+++ b/Sandy-PrácticaDocente/CelsaVirgen/Exploratorio_Resultados Generales.pptx
@@ -5241,15 +5241,7 @@
                   <a:schemeClr val="bg1"/>
                 </a:solidFill>
               </a:rPr>
-              <a:t> </a:t>
-            </a:r>
-            <a:r>
-              <a:rPr lang="es-MX" sz="3000" b="1" dirty="0" smtClean="0">
-                <a:solidFill>
-                  <a:schemeClr val="bg1"/>
-                </a:solidFill>
-              </a:rPr>
-              <a:t>23</a:t>
+              <a:t> 23</a:t>
             </a:r>
             <a:endParaRPr lang="es-MX" sz="3000" b="1" dirty="0">
               <a:solidFill>
@@ -5311,7 +5303,6 @@
               <a:rPr lang="es-MX" sz="2200" b="1" dirty="0"/>
               <a:t>A</a:t>
             </a:r>
-            <a:endParaRPr lang="es-MX" sz="2200" b="1" dirty="0"/>
           </a:p>
         </p:txBody>
       </p:sp>
@@ -6972,6 +6963,7 @@
               <a:rPr lang="es-MX" sz="2200" b="1" dirty="0"/>
               <a:t>B</a:t>
             </a:r>
+            <a:endParaRPr lang="es-MX" sz="2200" b="1" dirty="0"/>
           </a:p>
         </p:txBody>
       </p:sp>
@@ -8851,15 +8843,7 @@
                   <a:schemeClr val="bg1"/>
                 </a:solidFill>
               </a:rPr>
-              <a:t> </a:t>
-            </a:r>
-            <a:r>
-              <a:rPr lang="es-MX" sz="3000" b="1" dirty="0" smtClean="0">
-                <a:solidFill>
-                  <a:schemeClr val="bg1"/>
-                </a:solidFill>
-              </a:rPr>
-              <a:t>43</a:t>
+              <a:t> 43</a:t>
             </a:r>
             <a:endParaRPr lang="es-MX" sz="3000" b="1" dirty="0">
               <a:solidFill>
@@ -8921,7 +8905,6 @@
               <a:rPr lang="es-MX" sz="2200" b="1" dirty="0"/>
               <a:t>A</a:t>
             </a:r>
-            <a:endParaRPr lang="es-MX" sz="2200" b="1" dirty="0"/>
           </a:p>
         </p:txBody>
       </p:sp>
@@ -9150,315 +9133,6 @@
           </a:p>
         </p:txBody>
       </p:sp>
-      <p:graphicFrame>
-        <p:nvGraphicFramePr>
-          <p:cNvPr id="9" name="Marcador de contenido 6"/>
-          <p:cNvGraphicFramePr>
-            <a:graphicFrameLocks/>
-          </p:cNvGraphicFramePr>
-          <p:nvPr>
-            <p:extLst>
-              <p:ext uri="{D42A27DB-BD31-4B8C-83A1-F6EECF244321}">
-                <p14:modId xmlns:p14="http://schemas.microsoft.com/office/powerpoint/2010/main" val="278899775"/>
-              </p:ext>
-            </p:extLst>
-          </p:nvPr>
-        </p:nvGraphicFramePr>
-        <p:xfrm>
-          <a:off x="4910664" y="372533"/>
-          <a:ext cx="6781803" cy="736600"/>
-        </p:xfrm>
-        <a:graphic>
-          <a:graphicData uri="http://schemas.openxmlformats.org/drawingml/2006/table">
-            <a:tbl>
-              <a:tblPr firstRow="1" bandRow="1">
-                <a:tableStyleId>{5C22544A-7EE6-4342-B048-85BDC9FD1C3A}</a:tableStyleId>
-              </a:tblPr>
-              <a:tblGrid>
-                <a:gridCol w="968829"/>
-                <a:gridCol w="968829"/>
-                <a:gridCol w="968829"/>
-                <a:gridCol w="968829"/>
-                <a:gridCol w="968829"/>
-                <a:gridCol w="968829"/>
-                <a:gridCol w="968829"/>
-              </a:tblGrid>
-              <a:tr h="363432">
-                <a:tc>
-                  <a:txBody>
-                    <a:bodyPr/>
-                    <a:lstStyle/>
-                    <a:p>
-                      <a:r>
-                        <a:rPr lang="es-MX" dirty="0" smtClean="0"/>
-                        <a:t>GLOBAL</a:t>
-                      </a:r>
-                      <a:endParaRPr lang="es-MX" dirty="0"/>
-                    </a:p>
-                  </a:txBody>
-                  <a:tcPr/>
-                </a:tc>
-                <a:tc>
-                  <a:txBody>
-                    <a:bodyPr/>
-                    <a:lstStyle/>
-                    <a:p>
-                      <a:r>
-                        <a:rPr lang="es-MX" dirty="0" smtClean="0"/>
-                        <a:t>5to</a:t>
-                      </a:r>
-                      <a:endParaRPr lang="es-MX" dirty="0"/>
-                    </a:p>
-                  </a:txBody>
-                  <a:tcPr>
-                    <a:solidFill>
-                      <a:schemeClr val="accent5">
-                        <a:lumMod val="75000"/>
-                      </a:schemeClr>
-                    </a:solidFill>
-                  </a:tcPr>
-                </a:tc>
-                <a:tc>
-                  <a:txBody>
-                    <a:bodyPr/>
-                    <a:lstStyle/>
-                    <a:p>
-                      <a:r>
-                        <a:rPr lang="es-MX" dirty="0" smtClean="0"/>
-                        <a:t>6to</a:t>
-                      </a:r>
-                      <a:endParaRPr lang="es-MX" dirty="0"/>
-                    </a:p>
-                  </a:txBody>
-                  <a:tcPr>
-                    <a:solidFill>
-                      <a:schemeClr val="accent5">
-                        <a:lumMod val="75000"/>
-                      </a:schemeClr>
-                    </a:solidFill>
-                  </a:tcPr>
-                </a:tc>
-                <a:tc>
-                  <a:txBody>
-                    <a:bodyPr/>
-                    <a:lstStyle/>
-                    <a:p>
-                      <a:r>
-                        <a:rPr lang="es-MX" dirty="0" smtClean="0"/>
-                        <a:t>5-A</a:t>
-                      </a:r>
-                      <a:endParaRPr lang="es-MX" dirty="0"/>
-                    </a:p>
-                  </a:txBody>
-                  <a:tcPr>
-                    <a:solidFill>
-                      <a:schemeClr val="accent5">
-                        <a:lumMod val="75000"/>
-                      </a:schemeClr>
-                    </a:solidFill>
-                  </a:tcPr>
-                </a:tc>
-                <a:tc>
-                  <a:txBody>
-                    <a:bodyPr/>
-                    <a:lstStyle/>
-                    <a:p>
-                      <a:r>
-                        <a:rPr lang="es-MX" dirty="0" smtClean="0"/>
-                        <a:t>5-B</a:t>
-                      </a:r>
-                      <a:endParaRPr lang="es-MX" dirty="0"/>
-                    </a:p>
-                  </a:txBody>
-                  <a:tcPr>
-                    <a:solidFill>
-                      <a:schemeClr val="accent5">
-                        <a:lumMod val="75000"/>
-                      </a:schemeClr>
-                    </a:solidFill>
-                  </a:tcPr>
-                </a:tc>
-                <a:tc>
-                  <a:txBody>
-                    <a:bodyPr/>
-                    <a:lstStyle/>
-                    <a:p>
-                      <a:r>
-                        <a:rPr lang="es-MX" dirty="0" smtClean="0"/>
-                        <a:t>6-A</a:t>
-                      </a:r>
-                      <a:endParaRPr lang="es-MX" dirty="0"/>
-                    </a:p>
-                  </a:txBody>
-                  <a:tcPr>
-                    <a:solidFill>
-                      <a:schemeClr val="accent5">
-                        <a:lumMod val="75000"/>
-                      </a:schemeClr>
-                    </a:solidFill>
-                  </a:tcPr>
-                </a:tc>
-                <a:tc>
-                  <a:txBody>
-                    <a:bodyPr/>
-                    <a:lstStyle/>
-                    <a:p>
-                      <a:r>
-                        <a:rPr lang="es-MX" dirty="0" smtClean="0"/>
-                        <a:t>6-B</a:t>
-                      </a:r>
-                    </a:p>
-                  </a:txBody>
-                  <a:tcPr>
-                    <a:solidFill>
-                      <a:schemeClr val="accent5">
-                        <a:lumMod val="75000"/>
-                      </a:schemeClr>
-                    </a:solidFill>
-                  </a:tcPr>
-                </a:tc>
-              </a:tr>
-              <a:tr h="370840">
-                <a:tc>
-                  <a:txBody>
-                    <a:bodyPr/>
-                    <a:lstStyle/>
-                    <a:p>
-                      <a:r>
-                        <a:rPr lang="es-MX" dirty="0" smtClean="0"/>
-                        <a:t>36.58%</a:t>
-                      </a:r>
-                      <a:endParaRPr lang="es-MX" dirty="0"/>
-                    </a:p>
-                  </a:txBody>
-                  <a:tcPr/>
-                </a:tc>
-                <a:tc>
-                  <a:txBody>
-                    <a:bodyPr/>
-                    <a:lstStyle/>
-                    <a:p>
-                      <a:r>
-                        <a:rPr lang="es-MX" dirty="0" smtClean="0"/>
-                        <a:t>35.48%</a:t>
-                      </a:r>
-                      <a:endParaRPr lang="es-MX" dirty="0"/>
-                    </a:p>
-                  </a:txBody>
-                  <a:tcPr>
-                    <a:solidFill>
-                      <a:schemeClr val="bg1">
-                        <a:lumMod val="95000"/>
-                      </a:schemeClr>
-                    </a:solidFill>
-                  </a:tcPr>
-                </a:tc>
-                <a:tc>
-                  <a:txBody>
-                    <a:bodyPr/>
-                    <a:lstStyle/>
-                    <a:p>
-                      <a:r>
-                        <a:rPr lang="es-MX" dirty="0" smtClean="0"/>
-                        <a:t>37.7%</a:t>
-                      </a:r>
-                      <a:endParaRPr lang="es-MX" dirty="0"/>
-                    </a:p>
-                  </a:txBody>
-                  <a:tcPr>
-                    <a:solidFill>
-                      <a:schemeClr val="bg1">
-                        <a:lumMod val="95000"/>
-                      </a:schemeClr>
-                    </a:solidFill>
-                  </a:tcPr>
-                </a:tc>
-                <a:tc>
-                  <a:txBody>
-                    <a:bodyPr/>
-                    <a:lstStyle/>
-                    <a:p>
-                      <a:r>
-                        <a:rPr lang="es-MX" dirty="0" smtClean="0"/>
-                        <a:t>38.7%</a:t>
-                      </a:r>
-                      <a:endParaRPr lang="es-MX" dirty="0"/>
-                    </a:p>
-                  </a:txBody>
-                  <a:tcPr>
-                    <a:solidFill>
-                      <a:schemeClr val="bg1">
-                        <a:lumMod val="95000"/>
-                      </a:schemeClr>
-                    </a:solidFill>
-                  </a:tcPr>
-                </a:tc>
-                <a:tc>
-                  <a:txBody>
-                    <a:bodyPr/>
-                    <a:lstStyle/>
-                    <a:p>
-                      <a:r>
-                        <a:rPr lang="es-MX" dirty="0" smtClean="0"/>
-                        <a:t>32.25%</a:t>
-                      </a:r>
-                      <a:endParaRPr lang="es-MX" dirty="0"/>
-                    </a:p>
-                  </a:txBody>
-                  <a:tcPr>
-                    <a:solidFill>
-                      <a:schemeClr val="accent4">
-                        <a:lumMod val="20000"/>
-                        <a:lumOff val="80000"/>
-                      </a:schemeClr>
-                    </a:solidFill>
-                  </a:tcPr>
-                </a:tc>
-                <a:tc>
-                  <a:txBody>
-                    <a:bodyPr/>
-                    <a:lstStyle/>
-                    <a:p>
-                      <a:r>
-                        <a:rPr lang="es-MX" dirty="0" smtClean="0"/>
-                        <a:t>34.37%</a:t>
-                      </a:r>
-                      <a:endParaRPr lang="es-MX" dirty="0"/>
-                    </a:p>
-                  </a:txBody>
-                  <a:tcPr>
-                    <a:solidFill>
-                      <a:schemeClr val="bg1">
-                        <a:lumMod val="95000"/>
-                      </a:schemeClr>
-                    </a:solidFill>
-                  </a:tcPr>
-                </a:tc>
-                <a:tc>
-                  <a:txBody>
-                    <a:bodyPr/>
-                    <a:lstStyle/>
-                    <a:p>
-                      <a:r>
-                        <a:rPr lang="es-MX" dirty="0" smtClean="0"/>
-                        <a:t>41.37%</a:t>
-                      </a:r>
-                      <a:endParaRPr lang="es-MX" dirty="0"/>
-                    </a:p>
-                  </a:txBody>
-                  <a:tcPr>
-                    <a:solidFill>
-                      <a:schemeClr val="bg1">
-                        <a:lumMod val="95000"/>
-                      </a:schemeClr>
-                    </a:solidFill>
-                  </a:tcPr>
-                </a:tc>
-              </a:tr>
-            </a:tbl>
-          </a:graphicData>
-        </a:graphic>
-      </p:graphicFrame>
       <p:sp>
         <p:nvSpPr>
           <p:cNvPr id="10" name="Rectángulo redondeado 9"/>
@@ -10074,311 +9748,6 @@
           </a:p>
         </p:txBody>
       </p:sp>
-      <p:graphicFrame>
-        <p:nvGraphicFramePr>
-          <p:cNvPr id="9" name="Marcador de contenido 6"/>
-          <p:cNvGraphicFramePr>
-            <a:graphicFrameLocks/>
-          </p:cNvGraphicFramePr>
-          <p:nvPr>
-            <p:extLst/>
-          </p:nvPr>
-        </p:nvGraphicFramePr>
-        <p:xfrm>
-          <a:off x="4910664" y="372533"/>
-          <a:ext cx="6781803" cy="736600"/>
-        </p:xfrm>
-        <a:graphic>
-          <a:graphicData uri="http://schemas.openxmlformats.org/drawingml/2006/table">
-            <a:tbl>
-              <a:tblPr firstRow="1" bandRow="1">
-                <a:tableStyleId>{5C22544A-7EE6-4342-B048-85BDC9FD1C3A}</a:tableStyleId>
-              </a:tblPr>
-              <a:tblGrid>
-                <a:gridCol w="968829"/>
-                <a:gridCol w="968829"/>
-                <a:gridCol w="968829"/>
-                <a:gridCol w="968829"/>
-                <a:gridCol w="968829"/>
-                <a:gridCol w="968829"/>
-                <a:gridCol w="968829"/>
-              </a:tblGrid>
-              <a:tr h="363432">
-                <a:tc>
-                  <a:txBody>
-                    <a:bodyPr/>
-                    <a:lstStyle/>
-                    <a:p>
-                      <a:r>
-                        <a:rPr lang="es-MX" dirty="0" smtClean="0"/>
-                        <a:t>GLOBAL</a:t>
-                      </a:r>
-                      <a:endParaRPr lang="es-MX" dirty="0"/>
-                    </a:p>
-                  </a:txBody>
-                  <a:tcPr/>
-                </a:tc>
-                <a:tc>
-                  <a:txBody>
-                    <a:bodyPr/>
-                    <a:lstStyle/>
-                    <a:p>
-                      <a:r>
-                        <a:rPr lang="es-MX" dirty="0" smtClean="0"/>
-                        <a:t>5to</a:t>
-                      </a:r>
-                      <a:endParaRPr lang="es-MX" dirty="0"/>
-                    </a:p>
-                  </a:txBody>
-                  <a:tcPr>
-                    <a:solidFill>
-                      <a:schemeClr val="accent5">
-                        <a:lumMod val="75000"/>
-                      </a:schemeClr>
-                    </a:solidFill>
-                  </a:tcPr>
-                </a:tc>
-                <a:tc>
-                  <a:txBody>
-                    <a:bodyPr/>
-                    <a:lstStyle/>
-                    <a:p>
-                      <a:r>
-                        <a:rPr lang="es-MX" dirty="0" smtClean="0"/>
-                        <a:t>6to</a:t>
-                      </a:r>
-                      <a:endParaRPr lang="es-MX" dirty="0"/>
-                    </a:p>
-                  </a:txBody>
-                  <a:tcPr>
-                    <a:solidFill>
-                      <a:schemeClr val="accent5">
-                        <a:lumMod val="75000"/>
-                      </a:schemeClr>
-                    </a:solidFill>
-                  </a:tcPr>
-                </a:tc>
-                <a:tc>
-                  <a:txBody>
-                    <a:bodyPr/>
-                    <a:lstStyle/>
-                    <a:p>
-                      <a:r>
-                        <a:rPr lang="es-MX" dirty="0" smtClean="0"/>
-                        <a:t>5-A</a:t>
-                      </a:r>
-                      <a:endParaRPr lang="es-MX" dirty="0"/>
-                    </a:p>
-                  </a:txBody>
-                  <a:tcPr>
-                    <a:solidFill>
-                      <a:schemeClr val="accent5">
-                        <a:lumMod val="75000"/>
-                      </a:schemeClr>
-                    </a:solidFill>
-                  </a:tcPr>
-                </a:tc>
-                <a:tc>
-                  <a:txBody>
-                    <a:bodyPr/>
-                    <a:lstStyle/>
-                    <a:p>
-                      <a:r>
-                        <a:rPr lang="es-MX" dirty="0" smtClean="0"/>
-                        <a:t>5-B</a:t>
-                      </a:r>
-                      <a:endParaRPr lang="es-MX" dirty="0"/>
-                    </a:p>
-                  </a:txBody>
-                  <a:tcPr>
-                    <a:solidFill>
-                      <a:schemeClr val="accent5">
-                        <a:lumMod val="75000"/>
-                      </a:schemeClr>
-                    </a:solidFill>
-                  </a:tcPr>
-                </a:tc>
-                <a:tc>
-                  <a:txBody>
-                    <a:bodyPr/>
-                    <a:lstStyle/>
-                    <a:p>
-                      <a:r>
-                        <a:rPr lang="es-MX" dirty="0" smtClean="0"/>
-                        <a:t>6-A</a:t>
-                      </a:r>
-                      <a:endParaRPr lang="es-MX" dirty="0"/>
-                    </a:p>
-                  </a:txBody>
-                  <a:tcPr>
-                    <a:solidFill>
-                      <a:schemeClr val="accent5">
-                        <a:lumMod val="75000"/>
-                      </a:schemeClr>
-                    </a:solidFill>
-                  </a:tcPr>
-                </a:tc>
-                <a:tc>
-                  <a:txBody>
-                    <a:bodyPr/>
-                    <a:lstStyle/>
-                    <a:p>
-                      <a:r>
-                        <a:rPr lang="es-MX" dirty="0" smtClean="0"/>
-                        <a:t>6-B</a:t>
-                      </a:r>
-                    </a:p>
-                  </a:txBody>
-                  <a:tcPr>
-                    <a:solidFill>
-                      <a:schemeClr val="accent5">
-                        <a:lumMod val="75000"/>
-                      </a:schemeClr>
-                    </a:solidFill>
-                  </a:tcPr>
-                </a:tc>
-              </a:tr>
-              <a:tr h="370840">
-                <a:tc>
-                  <a:txBody>
-                    <a:bodyPr/>
-                    <a:lstStyle/>
-                    <a:p>
-                      <a:r>
-                        <a:rPr lang="es-MX" dirty="0" smtClean="0"/>
-                        <a:t>36.58%</a:t>
-                      </a:r>
-                      <a:endParaRPr lang="es-MX" dirty="0"/>
-                    </a:p>
-                  </a:txBody>
-                  <a:tcPr/>
-                </a:tc>
-                <a:tc>
-                  <a:txBody>
-                    <a:bodyPr/>
-                    <a:lstStyle/>
-                    <a:p>
-                      <a:r>
-                        <a:rPr lang="es-MX" dirty="0" smtClean="0"/>
-                        <a:t>35.48%</a:t>
-                      </a:r>
-                      <a:endParaRPr lang="es-MX" dirty="0"/>
-                    </a:p>
-                  </a:txBody>
-                  <a:tcPr>
-                    <a:solidFill>
-                      <a:schemeClr val="bg1">
-                        <a:lumMod val="95000"/>
-                      </a:schemeClr>
-                    </a:solidFill>
-                  </a:tcPr>
-                </a:tc>
-                <a:tc>
-                  <a:txBody>
-                    <a:bodyPr/>
-                    <a:lstStyle/>
-                    <a:p>
-                      <a:r>
-                        <a:rPr lang="es-MX" dirty="0" smtClean="0"/>
-                        <a:t>37.7%</a:t>
-                      </a:r>
-                      <a:endParaRPr lang="es-MX" dirty="0"/>
-                    </a:p>
-                  </a:txBody>
-                  <a:tcPr>
-                    <a:solidFill>
-                      <a:schemeClr val="bg1">
-                        <a:lumMod val="95000"/>
-                      </a:schemeClr>
-                    </a:solidFill>
-                  </a:tcPr>
-                </a:tc>
-                <a:tc>
-                  <a:txBody>
-                    <a:bodyPr/>
-                    <a:lstStyle/>
-                    <a:p>
-                      <a:r>
-                        <a:rPr lang="es-MX" dirty="0" smtClean="0"/>
-                        <a:t>38.7%</a:t>
-                      </a:r>
-                      <a:endParaRPr lang="es-MX" dirty="0"/>
-                    </a:p>
-                  </a:txBody>
-                  <a:tcPr>
-                    <a:solidFill>
-                      <a:schemeClr val="bg1">
-                        <a:lumMod val="95000"/>
-                      </a:schemeClr>
-                    </a:solidFill>
-                  </a:tcPr>
-                </a:tc>
-                <a:tc>
-                  <a:txBody>
-                    <a:bodyPr/>
-                    <a:lstStyle/>
-                    <a:p>
-                      <a:r>
-                        <a:rPr lang="es-MX" dirty="0" smtClean="0"/>
-                        <a:t>32.25%</a:t>
-                      </a:r>
-                      <a:endParaRPr lang="es-MX" dirty="0"/>
-                    </a:p>
-                  </a:txBody>
-                  <a:tcPr>
-                    <a:solidFill>
-                      <a:schemeClr val="accent4">
-                        <a:lumMod val="20000"/>
-                        <a:lumOff val="80000"/>
-                      </a:schemeClr>
-                    </a:solidFill>
-                  </a:tcPr>
-                </a:tc>
-                <a:tc>
-                  <a:txBody>
-                    <a:bodyPr/>
-                    <a:lstStyle/>
-                    <a:p>
-                      <a:r>
-                        <a:rPr lang="es-MX" dirty="0" smtClean="0"/>
-                        <a:t>34.37%</a:t>
-                      </a:r>
-                      <a:endParaRPr lang="es-MX" dirty="0"/>
-                    </a:p>
-                  </a:txBody>
-                  <a:tcPr>
-                    <a:solidFill>
-                      <a:schemeClr val="bg1">
-                        <a:lumMod val="95000"/>
-                      </a:schemeClr>
-                    </a:solidFill>
-                  </a:tcPr>
-                </a:tc>
-                <a:tc>
-                  <a:txBody>
-                    <a:bodyPr/>
-                    <a:lstStyle/>
-                    <a:p>
-                      <a:r>
-                        <a:rPr lang="es-MX" dirty="0" smtClean="0"/>
-                        <a:t>41.37%</a:t>
-                      </a:r>
-                      <a:endParaRPr lang="es-MX" dirty="0"/>
-                    </a:p>
-                  </a:txBody>
-                  <a:tcPr>
-                    <a:solidFill>
-                      <a:schemeClr val="bg1">
-                        <a:lumMod val="95000"/>
-                      </a:schemeClr>
-                    </a:solidFill>
-                  </a:tcPr>
-                </a:tc>
-              </a:tr>
-            </a:tbl>
-          </a:graphicData>
-        </a:graphic>
-      </p:graphicFrame>
       <p:sp>
         <p:nvSpPr>
           <p:cNvPr id="10" name="Rectángulo redondeado 9"/>
@@ -10596,15 +9965,7 @@
                   <a:schemeClr val="bg1"/>
                 </a:solidFill>
               </a:rPr>
-              <a:t> </a:t>
-            </a:r>
-            <a:r>
-              <a:rPr lang="es-MX" sz="3000" b="1" dirty="0" smtClean="0">
-                <a:solidFill>
-                  <a:schemeClr val="bg1"/>
-                </a:solidFill>
-              </a:rPr>
-              <a:t>50</a:t>
+              <a:t> 50</a:t>
             </a:r>
             <a:endParaRPr lang="es-MX" sz="3000" b="1" dirty="0">
               <a:solidFill>
@@ -11656,98 +11017,8 @@
           <a:p>
             <a:r>
               <a:rPr lang="es-MX" b="1" dirty="0" smtClean="0"/>
-              <a:t>Se presentan los ítems que fueron resueltos por menos del 40% de todos los estudiantes, o bien, por menos del 30% de los estudiantes de cada una de las siguientes categorías:</a:t>
-            </a:r>
-          </a:p>
-          <a:p>
-            <a:pPr marL="342900" indent="-342900">
-              <a:buFont typeface="Arial" panose="020B0604020202020204" pitchFamily="34" charset="0"/>
-              <a:buChar char="•"/>
-            </a:pPr>
-            <a:r>
-              <a:rPr lang="es-MX" dirty="0" smtClean="0"/>
-              <a:t>Estudiantes de Quinto</a:t>
-            </a:r>
-          </a:p>
-          <a:p>
-            <a:pPr marL="342900" indent="-342900">
-              <a:buFont typeface="Arial" panose="020B0604020202020204" pitchFamily="34" charset="0"/>
-              <a:buChar char="•"/>
-            </a:pPr>
-            <a:r>
-              <a:rPr lang="es-MX" dirty="0"/>
-              <a:t>Estudiantes de </a:t>
-            </a:r>
-            <a:r>
-              <a:rPr lang="es-MX" dirty="0" smtClean="0"/>
-              <a:t>Sexto</a:t>
-            </a:r>
-          </a:p>
-          <a:p>
-            <a:pPr marL="342900" indent="-342900">
-              <a:buFont typeface="Arial" panose="020B0604020202020204" pitchFamily="34" charset="0"/>
-              <a:buChar char="•"/>
-            </a:pPr>
-            <a:r>
-              <a:rPr lang="es-MX" dirty="0"/>
-              <a:t>Estudiantes de </a:t>
-            </a:r>
-            <a:r>
-              <a:rPr lang="es-MX" dirty="0" smtClean="0"/>
-              <a:t>5A</a:t>
-            </a:r>
-            <a:endParaRPr lang="es-MX" dirty="0"/>
-          </a:p>
-          <a:p>
-            <a:pPr marL="342900" indent="-342900">
-              <a:buFont typeface="Arial" panose="020B0604020202020204" pitchFamily="34" charset="0"/>
-              <a:buChar char="•"/>
-            </a:pPr>
-            <a:r>
-              <a:rPr lang="es-MX" dirty="0"/>
-              <a:t>Estudiantes de </a:t>
-            </a:r>
-            <a:r>
-              <a:rPr lang="es-MX" dirty="0" smtClean="0"/>
-              <a:t>5B</a:t>
-            </a:r>
-            <a:endParaRPr lang="es-MX" dirty="0"/>
-          </a:p>
-          <a:p>
-            <a:pPr marL="342900" indent="-342900">
-              <a:buFont typeface="Arial" panose="020B0604020202020204" pitchFamily="34" charset="0"/>
-              <a:buChar char="•"/>
-            </a:pPr>
-            <a:r>
-              <a:rPr lang="es-MX" dirty="0"/>
-              <a:t>Estudiantes de </a:t>
-            </a:r>
-            <a:r>
-              <a:rPr lang="es-MX" dirty="0" smtClean="0"/>
-              <a:t>6A</a:t>
-            </a:r>
-            <a:endParaRPr lang="es-MX" dirty="0"/>
-          </a:p>
-          <a:p>
-            <a:pPr marL="342900" indent="-342900">
-              <a:buFont typeface="Arial" panose="020B0604020202020204" pitchFamily="34" charset="0"/>
-              <a:buChar char="•"/>
-            </a:pPr>
-            <a:r>
-              <a:rPr lang="es-MX" dirty="0"/>
-              <a:t>Estudiantes de </a:t>
-            </a:r>
-            <a:r>
-              <a:rPr lang="es-MX" dirty="0" smtClean="0"/>
-              <a:t>6B</a:t>
-            </a:r>
-            <a:endParaRPr lang="es-MX" dirty="0"/>
-          </a:p>
-          <a:p>
-            <a:pPr marL="342900" indent="-342900">
-              <a:buFont typeface="Arial" panose="020B0604020202020204" pitchFamily="34" charset="0"/>
-              <a:buChar char="•"/>
-            </a:pPr>
+              <a:t>Se presentan los ítems que fueron resueltos por menos del 30% de los estudiantes</a:t>
+            </a:r>
             <a:endParaRPr lang="es-MX" dirty="0"/>
           </a:p>
           <a:p>

--- a/Sandy-PrácticaDocente/CelsaVirgen/Exploratorio_Resultados Generales.pptx
+++ b/Sandy-PrácticaDocente/CelsaVirgen/Exploratorio_Resultados Generales.pptx
@@ -216,7 +216,7 @@
           <a:p>
             <a:fld id="{D1FE6E8F-8321-4DC1-94DC-32542E45EF1A}" type="datetimeFigureOut">
               <a:rPr lang="es-MX" smtClean="0"/>
-              <a:t>04/06/2019</a:t>
+              <a:t>05/06/2019</a:t>
             </a:fld>
             <a:endParaRPr lang="es-MX"/>
           </a:p>
@@ -619,14 +619,6 @@
           <a:bodyPr/>
           <a:lstStyle/>
           <a:p>
-            <a:r>
-              <a:rPr lang="es-MX" dirty="0" smtClean="0"/>
-              <a:t>De manera similar al ítem anterior (cuyo contenido es similar a este),</a:t>
-            </a:r>
-            <a:r>
-              <a:rPr lang="es-MX" baseline="0" dirty="0" smtClean="0"/>
-              <a:t> se observa que aunque este ítem fue difícil tanto para estudiantes de quinto como para estudiantes de sexto, siempre se observa una menor proporción de aciertos entre los estudiantes de quinto.</a:t>
-            </a:r>
             <a:endParaRPr lang="es-MX" dirty="0"/>
           </a:p>
         </p:txBody>
@@ -648,7 +640,7 @@
           <a:p>
             <a:fld id="{E46CCCA4-CB64-4D81-9236-5B351037F182}" type="slidenum">
               <a:rPr lang="es-MX" smtClean="0"/>
-              <a:t>14</a:t>
+              <a:t>11</a:t>
             </a:fld>
             <a:endParaRPr lang="es-MX"/>
           </a:p>
@@ -657,7 +649,7 @@
     </p:spTree>
     <p:extLst>
       <p:ext uri="{BB962C8B-B14F-4D97-AF65-F5344CB8AC3E}">
-        <p14:creationId xmlns:p14="http://schemas.microsoft.com/office/powerpoint/2010/main" val="1408386357"/>
+        <p14:creationId xmlns:p14="http://schemas.microsoft.com/office/powerpoint/2010/main" val="472619424"/>
       </p:ext>
     </p:extLst>
   </p:cSld>
@@ -711,22 +703,174 @@
           <a:bodyPr/>
           <a:lstStyle/>
           <a:p>
-            <a:r>
-              <a:rPr lang="es-MX" dirty="0" smtClean="0"/>
-              <a:t>Una vez más,</a:t>
-            </a:r>
-            <a:r>
-              <a:rPr lang="es-MX" baseline="0" dirty="0" smtClean="0"/>
-              <a:t> tenemos un ítem que fue consistentemente difícil para los estudiantes tanto de quinto como sexto, se encuentran </a:t>
-            </a:r>
-            <a:r>
-              <a:rPr lang="es-MX" baseline="0" dirty="0" err="1" smtClean="0"/>
-              <a:t>proporcones</a:t>
-            </a:r>
-            <a:r>
-              <a:rPr lang="es-MX" baseline="0" dirty="0" smtClean="0"/>
-              <a:t> de acierto menores entre los estudiantes de quinto.</a:t>
-            </a:r>
+            <a:endParaRPr lang="es-MX" dirty="0"/>
+          </a:p>
+        </p:txBody>
+      </p:sp>
+      <p:sp>
+        <p:nvSpPr>
+          <p:cNvPr id="4" name="Marcador de número de diapositiva 3"/>
+          <p:cNvSpPr>
+            <a:spLocks noGrp="1"/>
+          </p:cNvSpPr>
+          <p:nvPr>
+            <p:ph type="sldNum" sz="quarter" idx="10"/>
+          </p:nvPr>
+        </p:nvSpPr>
+        <p:spPr/>
+        <p:txBody>
+          <a:bodyPr/>
+          <a:lstStyle/>
+          <a:p>
+            <a:fld id="{E46CCCA4-CB64-4D81-9236-5B351037F182}" type="slidenum">
+              <a:rPr lang="es-MX" smtClean="0"/>
+              <a:t>13</a:t>
+            </a:fld>
+            <a:endParaRPr lang="es-MX"/>
+          </a:p>
+        </p:txBody>
+      </p:sp>
+    </p:spTree>
+    <p:extLst>
+      <p:ext uri="{BB962C8B-B14F-4D97-AF65-F5344CB8AC3E}">
+        <p14:creationId xmlns:p14="http://schemas.microsoft.com/office/powerpoint/2010/main" val="1551020912"/>
+      </p:ext>
+    </p:extLst>
+  </p:cSld>
+  <p:clrMapOvr>
+    <a:masterClrMapping/>
+  </p:clrMapOvr>
+</p:notes>
+</file>
+
+<file path=ppt/notesSlides/notesSlide12.xml><?xml version="1.0" encoding="utf-8"?>
+<p:notes xmlns:a="http://schemas.openxmlformats.org/drawingml/2006/main" xmlns:r="http://schemas.openxmlformats.org/officeDocument/2006/relationships" xmlns:p="http://schemas.openxmlformats.org/presentationml/2006/main">
+  <p:cSld>
+    <p:spTree>
+      <p:nvGrpSpPr>
+        <p:cNvPr id="1" name=""/>
+        <p:cNvGrpSpPr/>
+        <p:nvPr/>
+      </p:nvGrpSpPr>
+      <p:grpSpPr>
+        <a:xfrm>
+          <a:off x="0" y="0"/>
+          <a:ext cx="0" cy="0"/>
+          <a:chOff x="0" y="0"/>
+          <a:chExt cx="0" cy="0"/>
+        </a:xfrm>
+      </p:grpSpPr>
+      <p:sp>
+        <p:nvSpPr>
+          <p:cNvPr id="2" name="Marcador de imagen de diapositiva 1"/>
+          <p:cNvSpPr>
+            <a:spLocks noGrp="1" noRot="1" noChangeAspect="1"/>
+          </p:cNvSpPr>
+          <p:nvPr>
+            <p:ph type="sldImg"/>
+          </p:nvPr>
+        </p:nvSpPr>
+        <p:spPr/>
+      </p:sp>
+      <p:sp>
+        <p:nvSpPr>
+          <p:cNvPr id="3" name="Marcador de notas 2"/>
+          <p:cNvSpPr>
+            <a:spLocks noGrp="1"/>
+          </p:cNvSpPr>
+          <p:nvPr>
+            <p:ph type="body" idx="1"/>
+          </p:nvPr>
+        </p:nvSpPr>
+        <p:spPr/>
+        <p:txBody>
+          <a:bodyPr/>
+          <a:lstStyle/>
+          <a:p>
+            <a:endParaRPr lang="es-MX" dirty="0"/>
+          </a:p>
+        </p:txBody>
+      </p:sp>
+      <p:sp>
+        <p:nvSpPr>
+          <p:cNvPr id="4" name="Marcador de número de diapositiva 3"/>
+          <p:cNvSpPr>
+            <a:spLocks noGrp="1"/>
+          </p:cNvSpPr>
+          <p:nvPr>
+            <p:ph type="sldNum" sz="quarter" idx="10"/>
+          </p:nvPr>
+        </p:nvSpPr>
+        <p:spPr/>
+        <p:txBody>
+          <a:bodyPr/>
+          <a:lstStyle/>
+          <a:p>
+            <a:fld id="{E46CCCA4-CB64-4D81-9236-5B351037F182}" type="slidenum">
+              <a:rPr lang="es-MX" smtClean="0"/>
+              <a:t>14</a:t>
+            </a:fld>
+            <a:endParaRPr lang="es-MX"/>
+          </a:p>
+        </p:txBody>
+      </p:sp>
+    </p:spTree>
+    <p:extLst>
+      <p:ext uri="{BB962C8B-B14F-4D97-AF65-F5344CB8AC3E}">
+        <p14:creationId xmlns:p14="http://schemas.microsoft.com/office/powerpoint/2010/main" val="1408386357"/>
+      </p:ext>
+    </p:extLst>
+  </p:cSld>
+  <p:clrMapOvr>
+    <a:masterClrMapping/>
+  </p:clrMapOvr>
+</p:notes>
+</file>
+
+<file path=ppt/notesSlides/notesSlide13.xml><?xml version="1.0" encoding="utf-8"?>
+<p:notes xmlns:a="http://schemas.openxmlformats.org/drawingml/2006/main" xmlns:r="http://schemas.openxmlformats.org/officeDocument/2006/relationships" xmlns:p="http://schemas.openxmlformats.org/presentationml/2006/main">
+  <p:cSld>
+    <p:spTree>
+      <p:nvGrpSpPr>
+        <p:cNvPr id="1" name=""/>
+        <p:cNvGrpSpPr/>
+        <p:nvPr/>
+      </p:nvGrpSpPr>
+      <p:grpSpPr>
+        <a:xfrm>
+          <a:off x="0" y="0"/>
+          <a:ext cx="0" cy="0"/>
+          <a:chOff x="0" y="0"/>
+          <a:chExt cx="0" cy="0"/>
+        </a:xfrm>
+      </p:grpSpPr>
+      <p:sp>
+        <p:nvSpPr>
+          <p:cNvPr id="2" name="Marcador de imagen de diapositiva 1"/>
+          <p:cNvSpPr>
+            <a:spLocks noGrp="1" noRot="1" noChangeAspect="1"/>
+          </p:cNvSpPr>
+          <p:nvPr>
+            <p:ph type="sldImg"/>
+          </p:nvPr>
+        </p:nvSpPr>
+        <p:spPr/>
+      </p:sp>
+      <p:sp>
+        <p:nvSpPr>
+          <p:cNvPr id="3" name="Marcador de notas 2"/>
+          <p:cNvSpPr>
+            <a:spLocks noGrp="1"/>
+          </p:cNvSpPr>
+          <p:nvPr>
+            <p:ph type="body" idx="1"/>
+          </p:nvPr>
+        </p:nvSpPr>
+        <p:spPr/>
+        <p:txBody>
+          <a:bodyPr/>
+          <a:lstStyle/>
+          <a:p>
             <a:endParaRPr lang="es-MX" dirty="0"/>
           </a:p>
         </p:txBody>
@@ -758,6 +902,90 @@
     <p:extLst>
       <p:ext uri="{BB962C8B-B14F-4D97-AF65-F5344CB8AC3E}">
         <p14:creationId xmlns:p14="http://schemas.microsoft.com/office/powerpoint/2010/main" val="728676043"/>
+      </p:ext>
+    </p:extLst>
+  </p:cSld>
+  <p:clrMapOvr>
+    <a:masterClrMapping/>
+  </p:clrMapOvr>
+</p:notes>
+</file>
+
+<file path=ppt/notesSlides/notesSlide14.xml><?xml version="1.0" encoding="utf-8"?>
+<p:notes xmlns:a="http://schemas.openxmlformats.org/drawingml/2006/main" xmlns:r="http://schemas.openxmlformats.org/officeDocument/2006/relationships" xmlns:p="http://schemas.openxmlformats.org/presentationml/2006/main">
+  <p:cSld>
+    <p:spTree>
+      <p:nvGrpSpPr>
+        <p:cNvPr id="1" name=""/>
+        <p:cNvGrpSpPr/>
+        <p:nvPr/>
+      </p:nvGrpSpPr>
+      <p:grpSpPr>
+        <a:xfrm>
+          <a:off x="0" y="0"/>
+          <a:ext cx="0" cy="0"/>
+          <a:chOff x="0" y="0"/>
+          <a:chExt cx="0" cy="0"/>
+        </a:xfrm>
+      </p:grpSpPr>
+      <p:sp>
+        <p:nvSpPr>
+          <p:cNvPr id="2" name="Marcador de imagen de diapositiva 1"/>
+          <p:cNvSpPr>
+            <a:spLocks noGrp="1" noRot="1" noChangeAspect="1"/>
+          </p:cNvSpPr>
+          <p:nvPr>
+            <p:ph type="sldImg"/>
+          </p:nvPr>
+        </p:nvSpPr>
+        <p:spPr/>
+      </p:sp>
+      <p:sp>
+        <p:nvSpPr>
+          <p:cNvPr id="3" name="Marcador de notas 2"/>
+          <p:cNvSpPr>
+            <a:spLocks noGrp="1"/>
+          </p:cNvSpPr>
+          <p:nvPr>
+            <p:ph type="body" idx="1"/>
+          </p:nvPr>
+        </p:nvSpPr>
+        <p:spPr/>
+        <p:txBody>
+          <a:bodyPr/>
+          <a:lstStyle/>
+          <a:p>
+            <a:endParaRPr lang="es-MX" dirty="0"/>
+          </a:p>
+        </p:txBody>
+      </p:sp>
+      <p:sp>
+        <p:nvSpPr>
+          <p:cNvPr id="4" name="Marcador de número de diapositiva 3"/>
+          <p:cNvSpPr>
+            <a:spLocks noGrp="1"/>
+          </p:cNvSpPr>
+          <p:nvPr>
+            <p:ph type="sldNum" sz="quarter" idx="10"/>
+          </p:nvPr>
+        </p:nvSpPr>
+        <p:spPr/>
+        <p:txBody>
+          <a:bodyPr/>
+          <a:lstStyle/>
+          <a:p>
+            <a:fld id="{E46CCCA4-CB64-4D81-9236-5B351037F182}" type="slidenum">
+              <a:rPr lang="es-MX" smtClean="0"/>
+              <a:t>16</a:t>
+            </a:fld>
+            <a:endParaRPr lang="es-MX"/>
+          </a:p>
+        </p:txBody>
+      </p:sp>
+    </p:spTree>
+    <p:extLst>
+      <p:ext uri="{BB962C8B-B14F-4D97-AF65-F5344CB8AC3E}">
+        <p14:creationId xmlns:p14="http://schemas.microsoft.com/office/powerpoint/2010/main" val="499121908"/>
       </p:ext>
     </p:extLst>
   </p:cSld>
@@ -811,6 +1039,23 @@
           <a:bodyPr/>
           <a:lstStyle/>
           <a:p>
+            <a:r>
+              <a:rPr lang="es-MX" dirty="0" smtClean="0"/>
+              <a:t>Esta</a:t>
+            </a:r>
+            <a:r>
+              <a:rPr lang="es-MX" baseline="0" dirty="0" smtClean="0"/>
+              <a:t> gráfica muestra el número de estudiantes que obtuvo cada calificación posible en la Forma A. </a:t>
+            </a:r>
+          </a:p>
+          <a:p>
+            <a:endParaRPr lang="es-MX" baseline="0" dirty="0" smtClean="0"/>
+          </a:p>
+          <a:p>
+            <a:r>
+              <a:rPr lang="es-MX" baseline="0" dirty="0" smtClean="0"/>
+              <a:t>Se puede ver que sólo se 6 estudiantes obtuvieron puntuaciones por encima de 18 puntos</a:t>
+            </a:r>
             <a:endParaRPr lang="es-MX" dirty="0"/>
           </a:p>
         </p:txBody>
@@ -895,6 +1140,26 @@
           <a:bodyPr/>
           <a:lstStyle/>
           <a:p>
+            <a:r>
+              <a:rPr lang="es-MX" dirty="0" smtClean="0"/>
+              <a:t>Esta</a:t>
+            </a:r>
+            <a:r>
+              <a:rPr lang="es-MX" baseline="0" dirty="0" smtClean="0"/>
+              <a:t> gráfica muestra el número de estudiantes que obtuvo cada calificación posible en la Forma B. </a:t>
+            </a:r>
+          </a:p>
+          <a:p>
+            <a:endParaRPr lang="es-MX" baseline="0" dirty="0" smtClean="0"/>
+          </a:p>
+          <a:p>
+            <a:r>
+              <a:rPr lang="es-MX" baseline="0" dirty="0" smtClean="0"/>
+              <a:t>Se puede ver que sólo 3 estudiantes obtuvieron puntuaciones por encima de 16 puntos</a:t>
+            </a:r>
+            <a:endParaRPr lang="es-MX" dirty="0" smtClean="0"/>
+          </a:p>
+          <a:p>
             <a:endParaRPr lang="es-MX" dirty="0"/>
           </a:p>
         </p:txBody>
@@ -979,7 +1244,15 @@
           <a:bodyPr/>
           <a:lstStyle/>
           <a:p>
-            <a:endParaRPr lang="es-MX" baseline="0" dirty="0" smtClean="0"/>
+            <a:r>
+              <a:rPr lang="es-MX" dirty="0" smtClean="0"/>
+              <a:t>Es la misma información que en las gráficas anteriores, pero</a:t>
+            </a:r>
+            <a:r>
+              <a:rPr lang="es-MX" baseline="0" dirty="0" smtClean="0"/>
+              <a:t> se presenta de manera simultánea</a:t>
+            </a:r>
+            <a:endParaRPr lang="es-MX" dirty="0"/>
           </a:p>
         </p:txBody>
       </p:sp>
@@ -1000,7 +1273,7 @@
           <a:p>
             <a:fld id="{E46CCCA4-CB64-4D81-9236-5B351037F182}" type="slidenum">
               <a:rPr lang="es-MX" smtClean="0"/>
-              <a:t>5</a:t>
+              <a:t>4</a:t>
             </a:fld>
             <a:endParaRPr lang="es-MX"/>
           </a:p>
@@ -1009,7 +1282,7 @@
     </p:spTree>
     <p:extLst>
       <p:ext uri="{BB962C8B-B14F-4D97-AF65-F5344CB8AC3E}">
-        <p14:creationId xmlns:p14="http://schemas.microsoft.com/office/powerpoint/2010/main" val="175394662"/>
+        <p14:creationId xmlns:p14="http://schemas.microsoft.com/office/powerpoint/2010/main" val="1018894633"/>
       </p:ext>
     </p:extLst>
   </p:cSld>
@@ -1064,18 +1337,10 @@
           <a:lstStyle/>
           <a:p>
             <a:r>
-              <a:rPr lang="es-MX" dirty="0" smtClean="0"/>
-              <a:t>Ahora sí, en esta gráfica se presenta por cada uno de los ítems (enlistados en el eje de las X) el número de estudiantes que acertaron</a:t>
-            </a:r>
-            <a:r>
               <a:rPr lang="es-MX" baseline="0" dirty="0" smtClean="0"/>
-              <a:t> (tomando en cuenta </a:t>
-            </a:r>
-            <a:r>
-              <a:rPr lang="es-MX" baseline="0" smtClean="0"/>
-              <a:t>la muestra total)</a:t>
-            </a:r>
-            <a:endParaRPr lang="es-MX"/>
+              <a:t>Sumando las puntuaciones obtenidas en las Formas A y B, se presenta el número de estudiantes que obtuvo una calificación total dentro de cada uno de los rangos señalados. Solamente 2 estudiantes alcanzaron una calificación mayor a 40.</a:t>
+            </a:r>
+            <a:endParaRPr lang="es-MX" baseline="0" dirty="0" smtClean="0"/>
           </a:p>
         </p:txBody>
       </p:sp>
@@ -1096,7 +1361,7 @@
           <a:p>
             <a:fld id="{E46CCCA4-CB64-4D81-9236-5B351037F182}" type="slidenum">
               <a:rPr lang="es-MX" smtClean="0"/>
-              <a:t>6</a:t>
+              <a:t>5</a:t>
             </a:fld>
             <a:endParaRPr lang="es-MX"/>
           </a:p>
@@ -1105,7 +1370,7 @@
     </p:spTree>
     <p:extLst>
       <p:ext uri="{BB962C8B-B14F-4D97-AF65-F5344CB8AC3E}">
-        <p14:creationId xmlns:p14="http://schemas.microsoft.com/office/powerpoint/2010/main" val="1006686452"/>
+        <p14:creationId xmlns:p14="http://schemas.microsoft.com/office/powerpoint/2010/main" val="175394662"/>
       </p:ext>
     </p:extLst>
   </p:cSld>
@@ -1161,48 +1426,18 @@
           <a:p>
             <a:r>
               <a:rPr lang="es-MX" dirty="0" smtClean="0"/>
-              <a:t>Lo</a:t>
+              <a:t>Aquí se presenta por cada uno de los ítems (Representados en el eje de las X),</a:t>
             </a:r>
             <a:r>
               <a:rPr lang="es-MX" baseline="0" dirty="0" smtClean="0"/>
-              <a:t> que esta gráfica presenta es el número de ítems (en Y) que caen dentro de distintos rangos de “dificultad” (en x). Convendría explicar que la dificultad se está evaluando a partir del porcentaje (o “proporción”, el término que sea más amigable) de estudiantes que acertaron cada ítem.</a:t>
+              <a:t> el número de estudiantes que obtuvo un acierto.</a:t>
             </a:r>
           </a:p>
           <a:p>
             <a:endParaRPr lang="es-MX" baseline="0" dirty="0" smtClean="0"/>
           </a:p>
           <a:p>
-            <a:r>
-              <a:rPr lang="es-MX" baseline="0" dirty="0" smtClean="0"/>
-              <a:t>De esta gráfica destacaría tres cosas:</a:t>
-            </a:r>
-          </a:p>
-          <a:p>
-            <a:r>
-              <a:rPr lang="es-MX" baseline="0" dirty="0" smtClean="0"/>
-              <a:t>1.- No hay ningún ítem que sea tan difícil como para que menos del 5% de los estudiantes lo acertara (como se puede apreciar en el huequito del primer rango)</a:t>
-            </a:r>
-          </a:p>
-          <a:p>
-            <a:r>
-              <a:rPr lang="es-MX" baseline="0" dirty="0" smtClean="0"/>
-              <a:t>2.- No hay ningún ítem tan fácil como para que más del 90% de los estudiantes lo acierten.</a:t>
-            </a:r>
-          </a:p>
-          <a:p>
-            <a:r>
-              <a:rPr lang="es-MX" baseline="0" dirty="0" smtClean="0"/>
-              <a:t>3.- La mayoría de los ítems se concentran entre el 30 y el 70%, lo cual quiere decir que la mayoría de los ítems fueron acertados por al menos el 30% de los estudiantes, pero no más del 70%.</a:t>
-            </a:r>
-          </a:p>
-          <a:p>
-            <a:endParaRPr lang="es-MX" baseline="0" dirty="0" smtClean="0"/>
-          </a:p>
-          <a:p>
-            <a:r>
-              <a:rPr lang="es-MX" baseline="0" dirty="0" smtClean="0"/>
-              <a:t>Más adelante, se identifican los ítems que cayeron debajo del 30% global, con la relación del índice de dificultad estimado por cada categoría posible.</a:t>
-            </a:r>
+            <a:endParaRPr lang="es-MX" dirty="0"/>
           </a:p>
         </p:txBody>
       </p:sp>
@@ -1223,7 +1458,7 @@
           <a:p>
             <a:fld id="{E46CCCA4-CB64-4D81-9236-5B351037F182}" type="slidenum">
               <a:rPr lang="es-MX" smtClean="0"/>
-              <a:t>8</a:t>
+              <a:t>6</a:t>
             </a:fld>
             <a:endParaRPr lang="es-MX"/>
           </a:p>
@@ -1232,7 +1467,7 @@
     </p:spTree>
     <p:extLst>
       <p:ext uri="{BB962C8B-B14F-4D97-AF65-F5344CB8AC3E}">
-        <p14:creationId xmlns:p14="http://schemas.microsoft.com/office/powerpoint/2010/main" val="16878459"/>
+        <p14:creationId xmlns:p14="http://schemas.microsoft.com/office/powerpoint/2010/main" val="1006686452"/>
       </p:ext>
     </p:extLst>
   </p:cSld>
@@ -1288,11 +1523,11 @@
           <a:p>
             <a:r>
               <a:rPr lang="es-MX" dirty="0" smtClean="0"/>
-              <a:t>Se</a:t>
+              <a:t>Esta</a:t>
             </a:r>
             <a:r>
               <a:rPr lang="es-MX" baseline="0" dirty="0" smtClean="0"/>
-              <a:t> presentan los ítems que fueron respondidos por menos del 40% de todos los estudiantes y se presentan cada uno con una tabla que presenta el porcentaje de aciertos observados en cada categoría (Quinto, Sexto, 5ª, 5b, 6ª y 6b)</a:t>
+              <a:t> es la misma información que en la gráfica anterior, pero en términos de porcentajes:</a:t>
             </a:r>
           </a:p>
           <a:p>
@@ -1301,7 +1536,15 @@
           <a:p>
             <a:r>
               <a:rPr lang="es-MX" baseline="0" dirty="0" smtClean="0"/>
-              <a:t>Como una observación general, se destaca que se trata de ítems que tienen que ver con la resolución de problemas que implican el trabajo con figuras geométricas, e ítems que implican operaciones con fracciones.</a:t>
+              <a:t>Se muestra el porcentaje de estudiantes que acertaron cada uno de los </a:t>
+            </a:r>
+            <a:r>
+              <a:rPr lang="es-MX" baseline="0" dirty="0" err="1" smtClean="0"/>
+              <a:t>items</a:t>
+            </a:r>
+            <a:r>
+              <a:rPr lang="es-MX" baseline="0" dirty="0" smtClean="0"/>
+              <a:t>.</a:t>
             </a:r>
             <a:endParaRPr lang="es-MX" dirty="0"/>
           </a:p>
@@ -1324,7 +1567,7 @@
           <a:p>
             <a:fld id="{E46CCCA4-CB64-4D81-9236-5B351037F182}" type="slidenum">
               <a:rPr lang="es-MX" smtClean="0"/>
-              <a:t>9</a:t>
+              <a:t>7</a:t>
             </a:fld>
             <a:endParaRPr lang="es-MX"/>
           </a:p>
@@ -1333,7 +1576,7 @@
     </p:spTree>
     <p:extLst>
       <p:ext uri="{BB962C8B-B14F-4D97-AF65-F5344CB8AC3E}">
-        <p14:creationId xmlns:p14="http://schemas.microsoft.com/office/powerpoint/2010/main" val="4134151973"/>
+        <p14:creationId xmlns:p14="http://schemas.microsoft.com/office/powerpoint/2010/main" val="4283303848"/>
       </p:ext>
     </p:extLst>
   </p:cSld>
@@ -1389,11 +1632,11 @@
           <a:p>
             <a:r>
               <a:rPr lang="es-MX" dirty="0" smtClean="0"/>
-              <a:t>Es altamente</a:t>
+              <a:t>Lo</a:t>
             </a:r>
             <a:r>
               <a:rPr lang="es-MX" baseline="0" dirty="0" smtClean="0"/>
-              <a:t> probable que el hecho de que este ítem fuera presentado de manera incorrecta en el examen sea la causa por la cual los estudiantes puntuaron tan mal en el mismo. Lo ideal seria no presentar este ítem, o bien, no utilizarlo para hacer conclusiones sobre el desempeño de los estudiantes.</a:t>
+              <a:t> que esta gráfica presenta es el número de ítems (en Y) que caen dentro de distintos rangos de “dificultad” (en x). Convendría explicar que la dificultad se está evaluando a partir del porcentaje (o “proporción”, el término que sea más amigable) de estudiantes que acertaron cada ítem.</a:t>
             </a:r>
           </a:p>
           <a:p>
@@ -1402,9 +1645,42 @@
           <a:p>
             <a:r>
               <a:rPr lang="es-MX" baseline="0" dirty="0" smtClean="0"/>
-              <a:t>En el reactivo “bueno”, donde la figura se muestra cerrada, la respuesta correcta sería la opción D, pero esta opción no tiene sentido si no se presenta la línea inferior (que es uno de los dos lados iguales).</a:t>
-            </a:r>
-            <a:endParaRPr lang="es-MX" dirty="0"/>
+              <a:t>De esta gráfica destacaría tres cosas:</a:t>
+            </a:r>
+          </a:p>
+          <a:p>
+            <a:r>
+              <a:rPr lang="es-MX" baseline="0" dirty="0" smtClean="0"/>
+              <a:t>1.- No hay ningún ítem que sea tan difícil como para que menos del </a:t>
+            </a:r>
+            <a:r>
+              <a:rPr lang="es-MX" baseline="0" dirty="0" smtClean="0"/>
+              <a:t>10% </a:t>
+            </a:r>
+            <a:r>
+              <a:rPr lang="es-MX" baseline="0" dirty="0" smtClean="0"/>
+              <a:t>de los estudiantes lo acertara (como se puede apreciar en el huequito </a:t>
+            </a:r>
+            <a:r>
+              <a:rPr lang="es-MX" baseline="0" dirty="0" smtClean="0"/>
+              <a:t>de los primeros rangos)</a:t>
+            </a:r>
+            <a:endParaRPr lang="es-MX" baseline="0" dirty="0" smtClean="0"/>
+          </a:p>
+          <a:p>
+            <a:r>
+              <a:rPr lang="es-MX" baseline="0" dirty="0" smtClean="0"/>
+              <a:t>2.- No hay ningún ítem tan fácil como para que más del 90% de los estudiantes lo acierten.</a:t>
+            </a:r>
+          </a:p>
+          <a:p>
+            <a:endParaRPr lang="es-MX" baseline="0" dirty="0" smtClean="0"/>
+          </a:p>
+          <a:p>
+            <a:r>
+              <a:rPr lang="es-MX" baseline="0" dirty="0" smtClean="0"/>
+              <a:t>Más adelante, se identifican los ítems que cayeron debajo del 30% global, con la relación del índice de dificultad estimado por cada categoría posible.</a:t>
+            </a:r>
           </a:p>
         </p:txBody>
       </p:sp>
@@ -1425,7 +1701,7 @@
           <a:p>
             <a:fld id="{E46CCCA4-CB64-4D81-9236-5B351037F182}" type="slidenum">
               <a:rPr lang="es-MX" smtClean="0"/>
-              <a:t>11</a:t>
+              <a:t>8</a:t>
             </a:fld>
             <a:endParaRPr lang="es-MX"/>
           </a:p>
@@ -1434,7 +1710,7 @@
     </p:spTree>
     <p:extLst>
       <p:ext uri="{BB962C8B-B14F-4D97-AF65-F5344CB8AC3E}">
-        <p14:creationId xmlns:p14="http://schemas.microsoft.com/office/powerpoint/2010/main" val="472619424"/>
+        <p14:creationId xmlns:p14="http://schemas.microsoft.com/office/powerpoint/2010/main" val="16878459"/>
       </p:ext>
     </p:extLst>
   </p:cSld>
@@ -1490,11 +1766,20 @@
           <a:p>
             <a:r>
               <a:rPr lang="es-MX" dirty="0" smtClean="0"/>
-              <a:t>Es interesante notar que, aunque los alumnos de sexto tuvieron menos del 16%</a:t>
+              <a:t>Se</a:t>
             </a:r>
             <a:r>
               <a:rPr lang="es-MX" baseline="0" dirty="0" smtClean="0"/>
-              <a:t> de aciertos en este ítem, este ítem fue consistentemente más difícil para los estudiantes de Quinto (marcados en amarillo)</a:t>
+              <a:t> presentan los ítems que fueron respondidos por menos del 40% de todos los estudiantes y se presentan cada uno con una tabla que presenta el porcentaje de aciertos observados en cada categoría (Quinto, Sexto, 5ª, 5b, 6ª y 6b)</a:t>
+            </a:r>
+          </a:p>
+          <a:p>
+            <a:endParaRPr lang="es-MX" baseline="0" dirty="0" smtClean="0"/>
+          </a:p>
+          <a:p>
+            <a:r>
+              <a:rPr lang="es-MX" baseline="0" dirty="0" smtClean="0"/>
+              <a:t>Como una observación general, se destaca que se trata de ítems que tienen que ver con la resolución de problemas que implican el trabajo con figuras geométricas, e ítems que implican operaciones con fracciones.</a:t>
             </a:r>
             <a:endParaRPr lang="es-MX" dirty="0"/>
           </a:p>
@@ -1517,7 +1802,7 @@
           <a:p>
             <a:fld id="{E46CCCA4-CB64-4D81-9236-5B351037F182}" type="slidenum">
               <a:rPr lang="es-MX" smtClean="0"/>
-              <a:t>13</a:t>
+              <a:t>9</a:t>
             </a:fld>
             <a:endParaRPr lang="es-MX"/>
           </a:p>
@@ -1526,7 +1811,7 @@
     </p:spTree>
     <p:extLst>
       <p:ext uri="{BB962C8B-B14F-4D97-AF65-F5344CB8AC3E}">
-        <p14:creationId xmlns:p14="http://schemas.microsoft.com/office/powerpoint/2010/main" val="1551020912"/>
+        <p14:creationId xmlns:p14="http://schemas.microsoft.com/office/powerpoint/2010/main" val="4134151973"/>
       </p:ext>
     </p:extLst>
   </p:cSld>
@@ -1667,7 +1952,7 @@
           <a:p>
             <a:fld id="{831D9D1D-F13F-4501-8C96-1FD4CD407F33}" type="datetimeFigureOut">
               <a:rPr lang="es-MX" smtClean="0"/>
-              <a:t>04/06/2019</a:t>
+              <a:t>05/06/2019</a:t>
             </a:fld>
             <a:endParaRPr lang="es-MX"/>
           </a:p>
@@ -1837,7 +2122,7 @@
           <a:p>
             <a:fld id="{831D9D1D-F13F-4501-8C96-1FD4CD407F33}" type="datetimeFigureOut">
               <a:rPr lang="es-MX" smtClean="0"/>
-              <a:t>04/06/2019</a:t>
+              <a:t>05/06/2019</a:t>
             </a:fld>
             <a:endParaRPr lang="es-MX"/>
           </a:p>
@@ -2017,7 +2302,7 @@
           <a:p>
             <a:fld id="{831D9D1D-F13F-4501-8C96-1FD4CD407F33}" type="datetimeFigureOut">
               <a:rPr lang="es-MX" smtClean="0"/>
-              <a:t>04/06/2019</a:t>
+              <a:t>05/06/2019</a:t>
             </a:fld>
             <a:endParaRPr lang="es-MX"/>
           </a:p>
@@ -2187,7 +2472,7 @@
           <a:p>
             <a:fld id="{831D9D1D-F13F-4501-8C96-1FD4CD407F33}" type="datetimeFigureOut">
               <a:rPr lang="es-MX" smtClean="0"/>
-              <a:t>04/06/2019</a:t>
+              <a:t>05/06/2019</a:t>
             </a:fld>
             <a:endParaRPr lang="es-MX"/>
           </a:p>
@@ -2433,7 +2718,7 @@
           <a:p>
             <a:fld id="{831D9D1D-F13F-4501-8C96-1FD4CD407F33}" type="datetimeFigureOut">
               <a:rPr lang="es-MX" smtClean="0"/>
-              <a:t>04/06/2019</a:t>
+              <a:t>05/06/2019</a:t>
             </a:fld>
             <a:endParaRPr lang="es-MX"/>
           </a:p>
@@ -2665,7 +2950,7 @@
           <a:p>
             <a:fld id="{831D9D1D-F13F-4501-8C96-1FD4CD407F33}" type="datetimeFigureOut">
               <a:rPr lang="es-MX" smtClean="0"/>
-              <a:t>04/06/2019</a:t>
+              <a:t>05/06/2019</a:t>
             </a:fld>
             <a:endParaRPr lang="es-MX"/>
           </a:p>
@@ -3032,7 +3317,7 @@
           <a:p>
             <a:fld id="{831D9D1D-F13F-4501-8C96-1FD4CD407F33}" type="datetimeFigureOut">
               <a:rPr lang="es-MX" smtClean="0"/>
-              <a:t>04/06/2019</a:t>
+              <a:t>05/06/2019</a:t>
             </a:fld>
             <a:endParaRPr lang="es-MX"/>
           </a:p>
@@ -3150,7 +3435,7 @@
           <a:p>
             <a:fld id="{831D9D1D-F13F-4501-8C96-1FD4CD407F33}" type="datetimeFigureOut">
               <a:rPr lang="es-MX" smtClean="0"/>
-              <a:t>04/06/2019</a:t>
+              <a:t>05/06/2019</a:t>
             </a:fld>
             <a:endParaRPr lang="es-MX"/>
           </a:p>
@@ -3245,7 +3530,7 @@
           <a:p>
             <a:fld id="{831D9D1D-F13F-4501-8C96-1FD4CD407F33}" type="datetimeFigureOut">
               <a:rPr lang="es-MX" smtClean="0"/>
-              <a:t>04/06/2019</a:t>
+              <a:t>05/06/2019</a:t>
             </a:fld>
             <a:endParaRPr lang="es-MX"/>
           </a:p>
@@ -3522,7 +3807,7 @@
           <a:p>
             <a:fld id="{831D9D1D-F13F-4501-8C96-1FD4CD407F33}" type="datetimeFigureOut">
               <a:rPr lang="es-MX" smtClean="0"/>
-              <a:t>04/06/2019</a:t>
+              <a:t>05/06/2019</a:t>
             </a:fld>
             <a:endParaRPr lang="es-MX"/>
           </a:p>
@@ -3775,7 +4060,7 @@
           <a:p>
             <a:fld id="{831D9D1D-F13F-4501-8C96-1FD4CD407F33}" type="datetimeFigureOut">
               <a:rPr lang="es-MX" smtClean="0"/>
-              <a:t>04/06/2019</a:t>
+              <a:t>05/06/2019</a:t>
             </a:fld>
             <a:endParaRPr lang="es-MX"/>
           </a:p>
@@ -3988,7 +4273,7 @@
           <a:p>
             <a:fld id="{831D9D1D-F13F-4501-8C96-1FD4CD407F33}" type="datetimeFigureOut">
               <a:rPr lang="es-MX" smtClean="0"/>
-              <a:t>04/06/2019</a:t>
+              <a:t>05/06/2019</a:t>
             </a:fld>
             <a:endParaRPr lang="es-MX"/>
           </a:p>
@@ -6963,7 +7248,6 @@
               <a:rPr lang="es-MX" sz="2200" b="1" dirty="0"/>
               <a:t>B</a:t>
             </a:r>
-            <a:endParaRPr lang="es-MX" sz="2200" b="1" dirty="0"/>
           </a:p>
         </p:txBody>
       </p:sp>
@@ -7905,7 +8189,7 @@
             <p:nvPr/>
           </p:nvPicPr>
           <p:blipFill>
-            <a:blip r:embed="rId2">
+            <a:blip r:embed="rId3">
               <a:extLst>
                 <a:ext uri="{28A0092B-C50C-407E-A947-70E740481C1C}">
                   <a14:useLocalDpi xmlns:a14="http://schemas.microsoft.com/office/drawing/2010/main" val="0"/>
@@ -9626,7 +9910,7 @@
         <p:spPr>
           <a:xfrm>
             <a:off x="7657616" y="4309110"/>
-            <a:ext cx="1806423" cy="2044472"/>
+            <a:ext cx="1806423" cy="2396490"/>
           </a:xfrm>
           <a:prstGeom prst="roundRect">
             <a:avLst/>
@@ -10410,7 +10694,7 @@
           <p:nvPr/>
         </p:nvPicPr>
         <p:blipFill>
-          <a:blip r:embed="rId2"/>
+          <a:blip r:embed="rId3"/>
           <a:stretch>
             <a:fillRect/>
           </a:stretch>
@@ -10700,7 +10984,7 @@
           <p:nvPr/>
         </p:nvPicPr>
         <p:blipFill>
-          <a:blip r:embed="rId2"/>
+          <a:blip r:embed="rId3"/>
           <a:stretch>
             <a:fillRect/>
           </a:stretch>
@@ -10868,7 +11152,7 @@
         </p:nvCxnSpPr>
         <p:spPr>
           <a:xfrm flipH="1">
-            <a:off x="1845733" y="3572933"/>
+            <a:off x="2038009" y="3446205"/>
             <a:ext cx="16934" cy="1574800"/>
           </a:xfrm>
           <a:prstGeom prst="straightConnector1">
